--- a/15. ITSYS/escarro reference/HDSE-ISN_Presentation_Template(1).pptx
+++ b/15. ITSYS/escarro reference/HDSE-ISN_Presentation_Template(1).pptx
@@ -212,7 +212,7 @@
           <a:p>
             <a:fld id="{1D8BD707-D9CF-40AE-B4C6-C98DA3205C09}" type="datetimeFigureOut">
               <a:rPr lang="en-US"/>
-              <a:t>11/9/2024</a:t>
+              <a:t>11/10/24</a:t>
             </a:fld>
             <a:endParaRPr lang="en-US"/>
           </a:p>
@@ -546,7 +546,7 @@
           <a:p>
             <a:fld id="{1D8BD707-D9CF-40AE-B4C6-C98DA3205C09}" type="datetimeFigureOut">
               <a:rPr lang="en-US"/>
-              <a:t>11/9/2024</a:t>
+              <a:t>11/10/24</a:t>
             </a:fld>
             <a:endParaRPr lang="en-US"/>
           </a:p>
@@ -760,7 +760,7 @@
           <a:p>
             <a:fld id="{1D8BD707-D9CF-40AE-B4C6-C98DA3205C09}" type="datetimeFigureOut">
               <a:rPr lang="en-US"/>
-              <a:t>11/9/2024</a:t>
+              <a:t>11/10/24</a:t>
             </a:fld>
             <a:endParaRPr lang="en-US"/>
           </a:p>
@@ -908,7 +908,7 @@
           <a:p>
             <a:fld id="{1D8BD707-D9CF-40AE-B4C6-C98DA3205C09}" type="datetimeFigureOut">
               <a:rPr lang="en-US"/>
-              <a:t>11/9/2024</a:t>
+              <a:t>11/10/24</a:t>
             </a:fld>
             <a:endParaRPr lang="en-US"/>
           </a:p>
@@ -1027,7 +1027,7 @@
           <a:p>
             <a:fld id="{1D8BD707-D9CF-40AE-B4C6-C98DA3205C09}" type="datetimeFigureOut">
               <a:rPr lang="en-US"/>
-              <a:t>11/9/2024</a:t>
+              <a:t>11/10/24</a:t>
             </a:fld>
             <a:endParaRPr lang="en-US"/>
           </a:p>
@@ -1379,7 +1379,7 @@
           <a:p>
             <a:fld id="{1D8BD707-D9CF-40AE-B4C6-C98DA3205C09}" type="datetimeFigureOut">
               <a:rPr lang="en-US"/>
-              <a:t>11/9/2024</a:t>
+              <a:t>11/10/24</a:t>
             </a:fld>
             <a:endParaRPr lang="en-US"/>
           </a:p>
@@ -12477,7 +12477,7 @@
         </p:blipFill>
         <p:spPr>
           <a:xfrm>
-            <a:off x="797401" y="1143000"/>
+            <a:off x="797401" y="1268734"/>
             <a:ext cx="3397012" cy="3455666"/>
           </a:xfrm>
           <a:prstGeom prst="rect">
